--- a/Misc/Presentation.pptx
+++ b/Misc/Presentation.pptx
@@ -3966,43 +3966,6 @@
         </a:p>
       </dgm:t>
     </dgm:pt>
-    <dgm:pt modelId="{F1CB5E86-D65A-4692-9ED5-B9BDBA7E6EAD}">
-      <dgm:prSet/>
-      <dgm:spPr/>
-      <dgm:t>
-        <a:bodyPr/>
-        <a:lstStyle/>
-        <a:p>
-          <a:r>
-            <a:rPr lang="fi-FI"/>
-            <a:t>Sampo</a:t>
-          </a:r>
-          <a:endParaRPr lang="en-US"/>
-        </a:p>
-      </dgm:t>
-    </dgm:pt>
-    <dgm:pt modelId="{9A54CD2E-D00A-4543-B19E-B936B5964705}" type="parTrans" cxnId="{1E9DFDF7-4EBA-4C61-8E1A-302F6AB5F4A4}">
-      <dgm:prSet/>
-      <dgm:spPr/>
-      <dgm:t>
-        <a:bodyPr/>
-        <a:lstStyle/>
-        <a:p>
-          <a:endParaRPr lang="en-US"/>
-        </a:p>
-      </dgm:t>
-    </dgm:pt>
-    <dgm:pt modelId="{166CB2E6-FE36-4B81-A3DE-B6CA9F595C2F}" type="sibTrans" cxnId="{1E9DFDF7-4EBA-4C61-8E1A-302F6AB5F4A4}">
-      <dgm:prSet/>
-      <dgm:spPr/>
-      <dgm:t>
-        <a:bodyPr/>
-        <a:lstStyle/>
-        <a:p>
-          <a:endParaRPr lang="en-US"/>
-        </a:p>
-      </dgm:t>
-    </dgm:pt>
     <dgm:pt modelId="{AE52C16A-9F95-46FC-8460-11120F02FF11}">
       <dgm:prSet/>
       <dgm:spPr/>
@@ -4011,10 +3974,10 @@
         <a:lstStyle/>
         <a:p>
           <a:r>
-            <a:rPr lang="fi-FI"/>
+            <a:rPr lang="fi-FI" dirty="0"/>
             <a:t>Arttu</a:t>
           </a:r>
-          <a:endParaRPr lang="en-US"/>
+          <a:endParaRPr lang="en-US" dirty="0"/>
         </a:p>
       </dgm:t>
     </dgm:pt>
@@ -4105,7 +4068,7 @@
       <dgm:spPr/>
     </dgm:pt>
     <dgm:pt modelId="{2854837F-FEC8-4A5D-9961-56FA843F6C73}" type="pres">
-      <dgm:prSet presAssocID="{A0AE453F-BC78-4658-8101-9E84AF7EC4D5}" presName="childText" presStyleLbl="conFgAcc1" presStyleIdx="1" presStyleCnt="2">
+      <dgm:prSet presAssocID="{A0AE453F-BC78-4658-8101-9E84AF7EC4D5}" presName="childText" presStyleLbl="conFgAcc1" presStyleIdx="1" presStyleCnt="2" custLinFactNeighborY="2591">
         <dgm:presLayoutVars>
           <dgm:bulletEnabled val="1"/>
         </dgm:presLayoutVars>
@@ -4115,20 +4078,18 @@
   </dgm:ptLst>
   <dgm:cxnLst>
     <dgm:cxn modelId="{1477F21E-F07F-4480-BB80-B64A14E963A6}" type="presOf" srcId="{C1FFA396-2ACA-4714-90E7-629FF5910421}" destId="{C06C2508-BB1B-495D-9616-26B050F546AA}" srcOrd="0" destOrd="0" presId="urn:microsoft.com/office/officeart/2005/8/layout/list1"/>
-    <dgm:cxn modelId="{D088822B-0D11-43A9-A899-98E779EB8441}" srcId="{A0AE453F-BC78-4658-8101-9E84AF7EC4D5}" destId="{AE52C16A-9F95-46FC-8460-11120F02FF11}" srcOrd="2" destOrd="0" parTransId="{FD2E7E3D-1772-4029-9BDB-77F265788A09}" sibTransId="{21F6EDB6-545D-44CA-9545-A877B08A9F26}"/>
-    <dgm:cxn modelId="{5D25343D-CD1C-431C-BEF0-5543ABFA59D4}" type="presOf" srcId="{F1CB5E86-D65A-4692-9ED5-B9BDBA7E6EAD}" destId="{2854837F-FEC8-4A5D-9961-56FA843F6C73}" srcOrd="0" destOrd="1" presId="urn:microsoft.com/office/officeart/2005/8/layout/list1"/>
+    <dgm:cxn modelId="{D088822B-0D11-43A9-A899-98E779EB8441}" srcId="{A0AE453F-BC78-4658-8101-9E84AF7EC4D5}" destId="{AE52C16A-9F95-46FC-8460-11120F02FF11}" srcOrd="1" destOrd="0" parTransId="{FD2E7E3D-1772-4029-9BDB-77F265788A09}" sibTransId="{21F6EDB6-545D-44CA-9545-A877B08A9F26}"/>
     <dgm:cxn modelId="{6C273B40-2572-49BE-BF1B-8691162AB3B2}" type="presOf" srcId="{A02B7FB8-72A9-4D35-852C-02E6F81D9013}" destId="{977A8E3B-D737-4F60-8699-845E335FFA44}" srcOrd="0" destOrd="0" presId="urn:microsoft.com/office/officeart/2005/8/layout/list1"/>
     <dgm:cxn modelId="{7BC0136D-D281-4E99-B06C-D87398E3F0F1}" srcId="{C1FFA396-2ACA-4714-90E7-629FF5910421}" destId="{A02B7FB8-72A9-4D35-852C-02E6F81D9013}" srcOrd="0" destOrd="0" parTransId="{5942954F-C0D5-42A8-A736-4CE4A07CCBB8}" sibTransId="{EA16852C-505B-4E18-885A-46201E04738B}"/>
     <dgm:cxn modelId="{D4C1E477-F5AF-4543-B664-DA9C374F913B}" type="presOf" srcId="{A0AE453F-BC78-4658-8101-9E84AF7EC4D5}" destId="{8DFBA0FA-E1AF-440F-A3F7-18B92FF57A2F}" srcOrd="1" destOrd="0" presId="urn:microsoft.com/office/officeart/2005/8/layout/list1"/>
     <dgm:cxn modelId="{34CD595A-DDDB-43BC-9B2E-AAB5AE6D9E1D}" type="presOf" srcId="{26AB0FFD-16A3-4712-9776-2C8C8D0221D5}" destId="{4416AB05-77C5-43E7-AC08-DA02AA2F22D2}" srcOrd="0" destOrd="0" presId="urn:microsoft.com/office/officeart/2005/8/layout/list1"/>
     <dgm:cxn modelId="{E396E382-5B1F-4C6D-AC07-6496BA9759D0}" type="presOf" srcId="{A0AE453F-BC78-4658-8101-9E84AF7EC4D5}" destId="{4B1AD9FA-63FE-4796-BC5A-7682A6AE0DFC}" srcOrd="0" destOrd="0" presId="urn:microsoft.com/office/officeart/2005/8/layout/list1"/>
     <dgm:cxn modelId="{6F4318B7-517A-4571-8F5E-BC438B6C82F2}" srcId="{26AB0FFD-16A3-4712-9776-2C8C8D0221D5}" destId="{C1FFA396-2ACA-4714-90E7-629FF5910421}" srcOrd="0" destOrd="0" parTransId="{DBF65CA0-6B54-468F-9782-EBE5D3A96755}" sibTransId="{BEA72591-D249-46C1-B8E6-90546429C0EB}"/>
-    <dgm:cxn modelId="{BA79B2CF-B82D-470F-B7AE-D00712B73855}" type="presOf" srcId="{AE52C16A-9F95-46FC-8460-11120F02FF11}" destId="{2854837F-FEC8-4A5D-9961-56FA843F6C73}" srcOrd="0" destOrd="2" presId="urn:microsoft.com/office/officeart/2005/8/layout/list1"/>
+    <dgm:cxn modelId="{BA79B2CF-B82D-470F-B7AE-D00712B73855}" type="presOf" srcId="{AE52C16A-9F95-46FC-8460-11120F02FF11}" destId="{2854837F-FEC8-4A5D-9961-56FA843F6C73}" srcOrd="0" destOrd="1" presId="urn:microsoft.com/office/officeart/2005/8/layout/list1"/>
     <dgm:cxn modelId="{7A2493D1-5C9D-422A-A517-614E45EFBFAB}" srcId="{26AB0FFD-16A3-4712-9776-2C8C8D0221D5}" destId="{A0AE453F-BC78-4658-8101-9E84AF7EC4D5}" srcOrd="1" destOrd="0" parTransId="{BABAFAAC-5503-4F71-B83F-35A9FAD80CEF}" sibTransId="{368C7E88-C9DF-4EF2-B91B-72539FEE435A}"/>
     <dgm:cxn modelId="{E2E326D3-1686-4F0D-BA10-3CF6A703A58A}" type="presOf" srcId="{C1FFA396-2ACA-4714-90E7-629FF5910421}" destId="{816BE3CD-A69D-478E-884E-DC495991E018}" srcOrd="1" destOrd="0" presId="urn:microsoft.com/office/officeart/2005/8/layout/list1"/>
     <dgm:cxn modelId="{72614BD5-B214-478F-A7DC-DD529389B9C4}" type="presOf" srcId="{056B0573-A7D6-4E9C-A701-E4F210A28763}" destId="{2854837F-FEC8-4A5D-9961-56FA843F6C73}" srcOrd="0" destOrd="0" presId="urn:microsoft.com/office/officeart/2005/8/layout/list1"/>
     <dgm:cxn modelId="{B8BAF8E3-2A4C-4BFB-8A52-30EA6B8E73E0}" srcId="{A0AE453F-BC78-4658-8101-9E84AF7EC4D5}" destId="{056B0573-A7D6-4E9C-A701-E4F210A28763}" srcOrd="0" destOrd="0" parTransId="{8361030F-C8F4-4485-B408-5414090CCD7D}" sibTransId="{06645D99-0710-4641-A4A0-2B40943B0417}"/>
-    <dgm:cxn modelId="{1E9DFDF7-4EBA-4C61-8E1A-302F6AB5F4A4}" srcId="{A0AE453F-BC78-4658-8101-9E84AF7EC4D5}" destId="{F1CB5E86-D65A-4692-9ED5-B9BDBA7E6EAD}" srcOrd="1" destOrd="0" parTransId="{9A54CD2E-D00A-4543-B19E-B936B5964705}" sibTransId="{166CB2E6-FE36-4B81-A3DE-B6CA9F595C2F}"/>
     <dgm:cxn modelId="{FA7C9956-66DE-4B66-B4C1-F1DD8F300100}" type="presParOf" srcId="{4416AB05-77C5-43E7-AC08-DA02AA2F22D2}" destId="{9F361396-DCDC-4F10-8B81-E91FAB8AC18D}" srcOrd="0" destOrd="0" presId="urn:microsoft.com/office/officeart/2005/8/layout/list1"/>
     <dgm:cxn modelId="{756459C8-3A5B-4600-9FCF-C65BA5106148}" type="presParOf" srcId="{9F361396-DCDC-4F10-8B81-E91FAB8AC18D}" destId="{C06C2508-BB1B-495D-9616-26B050F546AA}" srcOrd="0" destOrd="0" presId="urn:microsoft.com/office/officeart/2005/8/layout/list1"/>
     <dgm:cxn modelId="{5832734E-5B2E-40EF-AC41-39A510221D8D}" type="presParOf" srcId="{9F361396-DCDC-4F10-8B81-E91FAB8AC18D}" destId="{816BE3CD-A69D-478E-884E-DC495991E018}" srcOrd="1" destOrd="0" presId="urn:microsoft.com/office/officeart/2005/8/layout/list1"/>
@@ -4209,40 +4170,52 @@
         <a:lstStyle/>
         <a:p>
           <a:r>
-            <a:rPr lang="en-GB" dirty="0" err="1"/>
-            <a:t>Istuu</a:t>
+            <a:rPr lang="en-US" dirty="0" err="1"/>
+            <a:t>Kannustaa</a:t>
           </a:r>
           <a:r>
-            <a:rPr lang="en-GB" dirty="0"/>
+            <a:rPr lang="en-US" baseline="0" dirty="0"/>
+            <a:t> ja </a:t>
+          </a:r>
+          <a:r>
+            <a:rPr lang="en-US" baseline="0" dirty="0" err="1"/>
+            <a:t>auttaa</a:t>
+          </a:r>
+          <a:r>
+            <a:rPr lang="en-US" baseline="0" dirty="0"/>
             <a:t> </a:t>
           </a:r>
           <a:r>
-            <a:rPr lang="en-GB" dirty="0" err="1"/>
-            <a:t>toimistossa</a:t>
+            <a:rPr lang="en-US" baseline="0" dirty="0" err="1"/>
+            <a:t>työntekijöitä</a:t>
           </a:r>
           <a:r>
-            <a:rPr lang="en-GB" dirty="0"/>
+            <a:rPr lang="en-US" baseline="0" dirty="0"/>
+            <a:t>.(</a:t>
+          </a:r>
+          <a:r>
+            <a:rPr lang="en-US" baseline="0" dirty="0" err="1"/>
+            <a:t>Koodaa</a:t>
+          </a:r>
+          <a:r>
+            <a:rPr lang="en-US" baseline="0" dirty="0"/>
             <a:t> </a:t>
           </a:r>
           <a:r>
-            <a:rPr lang="en-GB" dirty="0" err="1"/>
-            <a:t>ja</a:t>
+            <a:rPr lang="en-US" baseline="0" dirty="0" err="1"/>
+            <a:t>myös</a:t>
           </a:r>
           <a:r>
-            <a:rPr lang="en-GB" dirty="0"/>
+            <a:rPr lang="en-US" baseline="0" dirty="0"/>
             <a:t> </a:t>
           </a:r>
           <a:r>
-            <a:rPr lang="en-GB" dirty="0" err="1"/>
-            <a:t>polttaa</a:t>
+            <a:rPr lang="en-US" baseline="0" dirty="0" err="1"/>
+            <a:t>itse</a:t>
           </a:r>
           <a:r>
-            <a:rPr lang="en-GB" dirty="0"/>
-            <a:t> </a:t>
-          </a:r>
-          <a:r>
-            <a:rPr lang="en-GB" dirty="0" err="1"/>
-            <a:t>sikaria</a:t>
+            <a:rPr lang="en-US" baseline="0" dirty="0"/>
+            <a:t>)</a:t>
           </a:r>
           <a:endParaRPr lang="en-US" dirty="0"/>
         </a:p>
@@ -4315,16 +4288,20 @@
         <a:lstStyle/>
         <a:p>
           <a:r>
-            <a:rPr lang="en-GB" dirty="0" err="1"/>
-            <a:t>Kaikki</a:t>
+            <a:rPr lang="en-US" dirty="0" err="1"/>
+            <a:t>Koodaus</a:t>
           </a:r>
           <a:r>
-            <a:rPr lang="en-GB" dirty="0"/>
-            <a:t> </a:t>
+            <a:rPr lang="en-US" baseline="0" dirty="0"/>
+            <a:t> ja </a:t>
           </a:r>
           <a:r>
-            <a:rPr lang="en-GB" dirty="0" err="1"/>
-            <a:t>työt</a:t>
+            <a:rPr lang="en-US" baseline="0" dirty="0" err="1"/>
+            <a:t>muut</a:t>
+          </a:r>
+          <a:r>
+            <a:rPr lang="en-US" baseline="0" dirty="0"/>
+            <a:t>.</a:t>
           </a:r>
           <a:endParaRPr lang="en-US" dirty="0"/>
         </a:p>
@@ -4516,10 +4493,30 @@
         <a:lstStyle/>
         <a:p>
           <a:r>
-            <a:rPr lang="en-GB"/>
-            <a:t>Luvataan paras peli ikinä.</a:t>
+            <a:rPr lang="en-GB" dirty="0" err="1"/>
+            <a:t>Luvataan</a:t>
           </a:r>
-          <a:endParaRPr lang="en-US"/>
+          <a:r>
+            <a:rPr lang="en-GB" dirty="0"/>
+            <a:t> paras </a:t>
+          </a:r>
+          <a:r>
+            <a:rPr lang="en-GB" dirty="0" err="1"/>
+            <a:t>peli</a:t>
+          </a:r>
+          <a:r>
+            <a:rPr lang="en-GB" dirty="0"/>
+            <a:t> </a:t>
+          </a:r>
+          <a:r>
+            <a:rPr lang="en-GB" dirty="0" err="1"/>
+            <a:t>ikinä</a:t>
+          </a:r>
+          <a:r>
+            <a:rPr lang="en-GB" dirty="0"/>
+            <a:t>.</a:t>
+          </a:r>
+          <a:endParaRPr lang="en-US" dirty="0"/>
         </a:p>
       </dgm:t>
     </dgm:pt>
@@ -4545,7 +4542,7 @@
         </a:p>
       </dgm:t>
     </dgm:pt>
-    <dgm:pt modelId="{3CE20A5D-0F3F-45B6-B522-83EB017745D9}">
+    <dgm:pt modelId="{E4F5B728-1D76-4E21-8A0A-60FE4FE69A57}">
       <dgm:prSet/>
       <dgm:spPr/>
       <dgm:t>
@@ -4553,224 +4550,43 @@
         <a:lstStyle/>
         <a:p>
           <a:r>
-            <a:rPr lang="en-GB" dirty="0" err="1"/>
-            <a:t>Peliä</a:t>
-          </a:r>
-          <a:r>
-            <a:rPr lang="en-GB" dirty="0"/>
+            <a:rPr lang="en-US" dirty="0"/>
             <a:t> </a:t>
           </a:r>
           <a:r>
-            <a:rPr lang="en-GB" dirty="0" err="1"/>
-            <a:t>kehitetään</a:t>
+            <a:rPr lang="en-US" dirty="0" err="1"/>
+            <a:t>Peli</a:t>
           </a:r>
           <a:r>
-            <a:rPr lang="en-GB" dirty="0"/>
-            <a:t> 10 </a:t>
-          </a:r>
-          <a:r>
-            <a:rPr lang="en-GB" dirty="0" err="1"/>
-            <a:t>vuotta</a:t>
-          </a:r>
-          <a:r>
-            <a:rPr lang="en-GB" dirty="0"/>
+            <a:rPr lang="en-US" dirty="0"/>
             <a:t> </a:t>
           </a:r>
           <a:r>
-            <a:rPr lang="en-GB" dirty="0" err="1"/>
-            <a:t>ja</a:t>
+            <a:rPr lang="en-US" dirty="0" err="1"/>
+            <a:t>julkaistaan</a:t>
           </a:r>
           <a:r>
-            <a:rPr lang="en-GB" dirty="0"/>
+            <a:rPr lang="en-US" dirty="0"/>
             <a:t> </a:t>
           </a:r>
           <a:r>
-            <a:rPr lang="en-GB" dirty="0" err="1"/>
-            <a:t>julkaistaan</a:t>
+            <a:rPr lang="en-US" dirty="0" err="1"/>
+            <a:t>valmiina</a:t>
           </a:r>
           <a:r>
-            <a:rPr lang="en-GB" dirty="0"/>
-            <a:t> </a:t>
-          </a:r>
-          <a:r>
-            <a:rPr lang="en-GB" dirty="0" err="1"/>
-            <a:t>rikkinäisenä</a:t>
-          </a:r>
-          <a:r>
-            <a:rPr lang="en-GB" dirty="0"/>
+            <a:rPr lang="en-US" dirty="0"/>
             <a:t>.</a:t>
           </a:r>
-          <a:endParaRPr lang="en-US" dirty="0"/>
         </a:p>
       </dgm:t>
     </dgm:pt>
-    <dgm:pt modelId="{FC9CC882-76E1-45B9-8A47-79008246B986}" type="parTrans" cxnId="{B6DF93E9-D4F8-4BF0-A083-6D494897B34B}">
+    <dgm:pt modelId="{5018601B-0AEE-4B8F-8C96-F5C39110BE45}" type="parTrans" cxnId="{BE837F9C-EF37-43BB-BD3B-96749CFF49B5}">
       <dgm:prSet/>
       <dgm:spPr/>
-      <dgm:t>
-        <a:bodyPr/>
-        <a:lstStyle/>
-        <a:p>
-          <a:endParaRPr lang="en-US"/>
-        </a:p>
-      </dgm:t>
     </dgm:pt>
-    <dgm:pt modelId="{38D251E6-C00B-439D-BC0C-FFDC45014685}" type="sibTrans" cxnId="{B6DF93E9-D4F8-4BF0-A083-6D494897B34B}">
+    <dgm:pt modelId="{4BB25DA3-D03F-464F-879D-BE7AF8B43A6E}" type="sibTrans" cxnId="{BE837F9C-EF37-43BB-BD3B-96749CFF49B5}">
       <dgm:prSet/>
       <dgm:spPr/>
-      <dgm:t>
-        <a:bodyPr/>
-        <a:lstStyle/>
-        <a:p>
-          <a:endParaRPr lang="en-US"/>
-        </a:p>
-      </dgm:t>
-    </dgm:pt>
-    <dgm:pt modelId="{DCE4C7AE-120B-4E62-8C9D-06FF2EE621F8}">
-      <dgm:prSet/>
-      <dgm:spPr/>
-      <dgm:t>
-        <a:bodyPr/>
-        <a:lstStyle/>
-        <a:p>
-          <a:r>
-            <a:rPr lang="en-GB" dirty="0"/>
-            <a:t>3:n </a:t>
-          </a:r>
-          <a:r>
-            <a:rPr lang="en-GB" dirty="0" err="1"/>
-            <a:t>vuoden</a:t>
-          </a:r>
-          <a:r>
-            <a:rPr lang="en-GB" dirty="0"/>
-            <a:t> </a:t>
-          </a:r>
-          <a:r>
-            <a:rPr lang="en-GB" dirty="0" err="1"/>
-            <a:t>päästä</a:t>
-          </a:r>
-          <a:r>
-            <a:rPr lang="en-GB" dirty="0"/>
-            <a:t> </a:t>
-          </a:r>
-          <a:r>
-            <a:rPr lang="en-GB" dirty="0" err="1"/>
-            <a:t>julkaisusta</a:t>
-          </a:r>
-          <a:r>
-            <a:rPr lang="en-GB" dirty="0"/>
-            <a:t> </a:t>
-          </a:r>
-          <a:r>
-            <a:rPr lang="en-GB" dirty="0" err="1"/>
-            <a:t>lopetetaan</a:t>
-          </a:r>
-          <a:r>
-            <a:rPr lang="en-GB" dirty="0"/>
-            <a:t> </a:t>
-          </a:r>
-          <a:r>
-            <a:rPr lang="en-GB" dirty="0" err="1"/>
-            <a:t>päivitykset</a:t>
-          </a:r>
-          <a:r>
-            <a:rPr lang="en-GB" dirty="0"/>
-            <a:t> </a:t>
-          </a:r>
-          <a:r>
-            <a:rPr lang="en-GB" dirty="0" err="1"/>
-            <a:t>vaikka</a:t>
-          </a:r>
-          <a:r>
-            <a:rPr lang="en-GB" dirty="0"/>
-            <a:t> </a:t>
-          </a:r>
-          <a:r>
-            <a:rPr lang="en-GB" dirty="0" err="1"/>
-            <a:t>peli</a:t>
-          </a:r>
-          <a:r>
-            <a:rPr lang="en-GB" dirty="0"/>
-            <a:t> on </a:t>
-          </a:r>
-          <a:r>
-            <a:rPr lang="en-GB" dirty="0" err="1"/>
-            <a:t>vielä</a:t>
-          </a:r>
-          <a:r>
-            <a:rPr lang="en-GB" dirty="0"/>
-            <a:t> </a:t>
-          </a:r>
-          <a:r>
-            <a:rPr lang="en-GB" dirty="0" err="1"/>
-            <a:t>kesken</a:t>
-          </a:r>
-          <a:r>
-            <a:rPr lang="en-GB" dirty="0"/>
-            <a:t>.</a:t>
-          </a:r>
-          <a:endParaRPr lang="en-US" dirty="0"/>
-        </a:p>
-      </dgm:t>
-    </dgm:pt>
-    <dgm:pt modelId="{298E10D7-8BC2-4159-A581-DDBA5CBE924A}" type="parTrans" cxnId="{FFB4DF4C-2379-4DE2-B612-FCA820714599}">
-      <dgm:prSet/>
-      <dgm:spPr/>
-      <dgm:t>
-        <a:bodyPr/>
-        <a:lstStyle/>
-        <a:p>
-          <a:endParaRPr lang="en-US"/>
-        </a:p>
-      </dgm:t>
-    </dgm:pt>
-    <dgm:pt modelId="{15DA98A5-6889-4783-BE5A-D1AB232BE70D}" type="sibTrans" cxnId="{FFB4DF4C-2379-4DE2-B612-FCA820714599}">
-      <dgm:prSet/>
-      <dgm:spPr/>
-      <dgm:t>
-        <a:bodyPr/>
-        <a:lstStyle/>
-        <a:p>
-          <a:endParaRPr lang="en-US"/>
-        </a:p>
-      </dgm:t>
-    </dgm:pt>
-    <dgm:pt modelId="{DAE9EE63-60A2-4AC9-8FFD-27FAF33581F7}">
-      <dgm:prSet/>
-      <dgm:spPr/>
-      <dgm:t>
-        <a:bodyPr/>
-        <a:lstStyle/>
-        <a:p>
-          <a:r>
-            <a:rPr lang="en-GB"/>
-            <a:t>Pelaajat unohtaa koko homman 5:n vuoden aikana ja ostaa seuraavan pelin.</a:t>
-          </a:r>
-          <a:endParaRPr lang="en-US"/>
-        </a:p>
-      </dgm:t>
-    </dgm:pt>
-    <dgm:pt modelId="{F21E24CA-988C-4776-87FC-745537687791}" type="parTrans" cxnId="{5032D775-647D-4716-BB88-2D76A8067CC2}">
-      <dgm:prSet/>
-      <dgm:spPr/>
-      <dgm:t>
-        <a:bodyPr/>
-        <a:lstStyle/>
-        <a:p>
-          <a:endParaRPr lang="en-US"/>
-        </a:p>
-      </dgm:t>
-    </dgm:pt>
-    <dgm:pt modelId="{89DAEEA7-FB53-4E33-ADA4-A89F21D67BF7}" type="sibTrans" cxnId="{5032D775-647D-4716-BB88-2D76A8067CC2}">
-      <dgm:prSet/>
-      <dgm:spPr/>
-      <dgm:t>
-        <a:bodyPr/>
-        <a:lstStyle/>
-        <a:p>
-          <a:endParaRPr lang="en-US"/>
-        </a:p>
-      </dgm:t>
     </dgm:pt>
     <dgm:pt modelId="{334969D4-4B66-4842-9D49-5765EF8AED88}" type="pres">
       <dgm:prSet presAssocID="{5AC78FBB-8300-407F-887C-B8D9DF2B1EB9}" presName="linear" presStyleCnt="0">
@@ -4803,14 +4619,10 @@
     <dgm:cxn modelId="{42CAF606-826B-4535-815F-730E8B8D6495}" type="presOf" srcId="{CE9EC823-7568-4F68-85F8-6DB8AF0C92D2}" destId="{528CAA93-8751-4F79-8DED-FFB56BD850AF}" srcOrd="0" destOrd="0" presId="urn:microsoft.com/office/officeart/2005/8/layout/vList2"/>
     <dgm:cxn modelId="{C5212A09-13F2-4CC7-8774-78A9FFBBAE4F}" srcId="{5AC78FBB-8300-407F-887C-B8D9DF2B1EB9}" destId="{5611B6CA-3C99-4EC5-ABA2-E7DB03ADC43D}" srcOrd="0" destOrd="0" parTransId="{960B18BF-8AF1-41E1-94C7-301AE153EC95}" sibTransId="{FD9B8992-B7A3-4CDD-9F76-AAAA3FB6F27D}"/>
     <dgm:cxn modelId="{376A140A-8D7C-493C-BA17-75E8137A1EE3}" type="presOf" srcId="{5AC78FBB-8300-407F-887C-B8D9DF2B1EB9}" destId="{334969D4-4B66-4842-9D49-5765EF8AED88}" srcOrd="0" destOrd="0" presId="urn:microsoft.com/office/officeart/2005/8/layout/vList2"/>
-    <dgm:cxn modelId="{2CB39144-1237-485A-A9F2-7E2348ADF3FC}" type="presOf" srcId="{3CE20A5D-0F3F-45B6-B522-83EB017745D9}" destId="{528CAA93-8751-4F79-8DED-FFB56BD850AF}" srcOrd="0" destOrd="1" presId="urn:microsoft.com/office/officeart/2005/8/layout/vList2"/>
-    <dgm:cxn modelId="{FFB4DF4C-2379-4DE2-B612-FCA820714599}" srcId="{5611B6CA-3C99-4EC5-ABA2-E7DB03ADC43D}" destId="{DCE4C7AE-120B-4E62-8C9D-06FF2EE621F8}" srcOrd="2" destOrd="0" parTransId="{298E10D7-8BC2-4159-A581-DDBA5CBE924A}" sibTransId="{15DA98A5-6889-4783-BE5A-D1AB232BE70D}"/>
-    <dgm:cxn modelId="{5032D775-647D-4716-BB88-2D76A8067CC2}" srcId="{5611B6CA-3C99-4EC5-ABA2-E7DB03ADC43D}" destId="{DAE9EE63-60A2-4AC9-8FFD-27FAF33581F7}" srcOrd="3" destOrd="0" parTransId="{F21E24CA-988C-4776-87FC-745537687791}" sibTransId="{89DAEEA7-FB53-4E33-ADA4-A89F21D67BF7}"/>
     <dgm:cxn modelId="{37D17A7A-5BE8-465C-9FF3-2FE5C736EE4B}" type="presOf" srcId="{5611B6CA-3C99-4EC5-ABA2-E7DB03ADC43D}" destId="{6C3B3874-9816-4F6A-9083-3797800B0D43}" srcOrd="0" destOrd="0" presId="urn:microsoft.com/office/officeart/2005/8/layout/vList2"/>
     <dgm:cxn modelId="{0544B987-6DF9-4AD6-8FA4-0541B92D3656}" srcId="{5611B6CA-3C99-4EC5-ABA2-E7DB03ADC43D}" destId="{CE9EC823-7568-4F68-85F8-6DB8AF0C92D2}" srcOrd="0" destOrd="0" parTransId="{94525AD0-C962-41A7-B5B5-5D26C1CA37C0}" sibTransId="{BE114BC1-B9C3-4731-A047-E8C566045011}"/>
-    <dgm:cxn modelId="{FA083F96-9216-48F8-8175-6D05CEE2120C}" type="presOf" srcId="{DAE9EE63-60A2-4AC9-8FFD-27FAF33581F7}" destId="{528CAA93-8751-4F79-8DED-FFB56BD850AF}" srcOrd="0" destOrd="3" presId="urn:microsoft.com/office/officeart/2005/8/layout/vList2"/>
-    <dgm:cxn modelId="{B6DF93E9-D4F8-4BF0-A083-6D494897B34B}" srcId="{5611B6CA-3C99-4EC5-ABA2-E7DB03ADC43D}" destId="{3CE20A5D-0F3F-45B6-B522-83EB017745D9}" srcOrd="1" destOrd="0" parTransId="{FC9CC882-76E1-45B9-8A47-79008246B986}" sibTransId="{38D251E6-C00B-439D-BC0C-FFDC45014685}"/>
-    <dgm:cxn modelId="{F00E42F5-CC57-4696-9E5A-88801BE8ADD4}" type="presOf" srcId="{DCE4C7AE-120B-4E62-8C9D-06FF2EE621F8}" destId="{528CAA93-8751-4F79-8DED-FFB56BD850AF}" srcOrd="0" destOrd="2" presId="urn:microsoft.com/office/officeart/2005/8/layout/vList2"/>
+    <dgm:cxn modelId="{BE837F9C-EF37-43BB-BD3B-96749CFF49B5}" srcId="{5611B6CA-3C99-4EC5-ABA2-E7DB03ADC43D}" destId="{E4F5B728-1D76-4E21-8A0A-60FE4FE69A57}" srcOrd="1" destOrd="0" parTransId="{5018601B-0AEE-4B8F-8C96-F5C39110BE45}" sibTransId="{4BB25DA3-D03F-464F-879D-BE7AF8B43A6E}"/>
+    <dgm:cxn modelId="{7D8770BA-EEA7-400C-B6B8-704B93BC5E39}" type="presOf" srcId="{E4F5B728-1D76-4E21-8A0A-60FE4FE69A57}" destId="{528CAA93-8751-4F79-8DED-FFB56BD850AF}" srcOrd="0" destOrd="1" presId="urn:microsoft.com/office/officeart/2005/8/layout/vList2"/>
     <dgm:cxn modelId="{2EBFAE3A-78E6-4D38-B6AA-832DA91FA778}" type="presParOf" srcId="{334969D4-4B66-4842-9D49-5765EF8AED88}" destId="{6C3B3874-9816-4F6A-9083-3797800B0D43}" srcOrd="0" destOrd="0" presId="urn:microsoft.com/office/officeart/2005/8/layout/vList2"/>
     <dgm:cxn modelId="{8A95EDD5-20A3-4B6E-A3FC-18A0F45DD218}" type="presParOf" srcId="{334969D4-4B66-4842-9D49-5765EF8AED88}" destId="{528CAA93-8751-4F79-8DED-FFB56BD850AF}" srcOrd="1" destOrd="0" presId="urn:microsoft.com/office/officeart/2005/8/layout/vList2"/>
   </dgm:cxnLst>
@@ -4839,8 +4651,8 @@
       </dsp:nvSpPr>
       <dsp:spPr>
         <a:xfrm>
-          <a:off x="0" y="553896"/>
-          <a:ext cx="5811128" cy="1573425"/>
+          <a:off x="0" y="662009"/>
+          <a:ext cx="5811128" cy="1743525"/>
         </a:xfrm>
         <a:prstGeom prst="rect">
           <a:avLst/>
@@ -4881,12 +4693,12 @@
         <a:fontRef idx="minor"/>
       </dsp:style>
       <dsp:txBody>
-        <a:bodyPr spcFirstLastPara="0" vert="horz" wrap="square" lIns="451008" tIns="770636" rIns="451008" bIns="263144" numCol="1" spcCol="1270" anchor="t" anchorCtr="0">
+        <a:bodyPr spcFirstLastPara="0" vert="horz" wrap="square" lIns="451008" tIns="853948" rIns="451008" bIns="291592" numCol="1" spcCol="1270" anchor="t" anchorCtr="0">
           <a:noAutofit/>
         </a:bodyPr>
         <a:lstStyle/>
         <a:p>
-          <a:pPr marL="285750" lvl="1" indent="-285750" algn="l" defTabSz="1644650">
+          <a:pPr marL="285750" lvl="1" indent="-285750" algn="l" defTabSz="1822450">
             <a:lnSpc>
               <a:spcPct val="90000"/>
             </a:lnSpc>
@@ -4899,15 +4711,15 @@
             <a:buChar char="•"/>
           </a:pPr>
           <a:r>
-            <a:rPr lang="en-GB" sz="3700" kern="1200" dirty="0" err="1"/>
+            <a:rPr lang="en-GB" sz="4100" kern="1200" dirty="0" err="1"/>
             <a:t>Joona</a:t>
           </a:r>
-          <a:endParaRPr lang="en-US" sz="3700" kern="1200" dirty="0"/>
+          <a:endParaRPr lang="en-US" sz="4100" kern="1200" dirty="0"/>
         </a:p>
       </dsp:txBody>
       <dsp:txXfrm>
-        <a:off x="0" y="553896"/>
-        <a:ext cx="5811128" cy="1573425"/>
+        <a:off x="0" y="662009"/>
+        <a:ext cx="5811128" cy="1743525"/>
       </dsp:txXfrm>
     </dsp:sp>
     <dsp:sp modelId="{816BE3CD-A69D-478E-884E-DC495991E018}">
@@ -4917,8 +4729,8 @@
       </dsp:nvSpPr>
       <dsp:spPr>
         <a:xfrm>
-          <a:off x="290556" y="7776"/>
-          <a:ext cx="4067789" cy="1092240"/>
+          <a:off x="290556" y="56849"/>
+          <a:ext cx="4067789" cy="1210320"/>
         </a:xfrm>
         <a:prstGeom prst="roundRect">
           <a:avLst/>
@@ -4965,7 +4777,7 @@
         </a:bodyPr>
         <a:lstStyle/>
         <a:p>
-          <a:pPr marL="0" lvl="0" indent="0" algn="l" defTabSz="1644650">
+          <a:pPr marL="0" lvl="0" indent="0" algn="l" defTabSz="1822450">
             <a:lnSpc>
               <a:spcPct val="90000"/>
             </a:lnSpc>
@@ -4978,19 +4790,19 @@
             <a:buNone/>
           </a:pPr>
           <a:r>
-            <a:rPr lang="en-GB" sz="3700" kern="1200" dirty="0" err="1"/>
+            <a:rPr lang="en-GB" sz="4100" kern="1200" dirty="0" err="1"/>
             <a:t>Toimitusjohtaja</a:t>
           </a:r>
           <a:r>
-            <a:rPr lang="en-GB" sz="3700" kern="1200" dirty="0"/>
+            <a:rPr lang="en-GB" sz="4100" kern="1200" dirty="0"/>
             <a:t>:</a:t>
           </a:r>
-          <a:endParaRPr lang="en-US" sz="3700" kern="1200" dirty="0"/>
+          <a:endParaRPr lang="en-US" sz="4100" kern="1200" dirty="0"/>
         </a:p>
       </dsp:txBody>
       <dsp:txXfrm>
-        <a:off x="343875" y="61095"/>
-        <a:ext cx="3961151" cy="985602"/>
+        <a:off x="349639" y="115932"/>
+        <a:ext cx="3949623" cy="1092154"/>
       </dsp:txXfrm>
     </dsp:sp>
     <dsp:sp modelId="{2854837F-FEC8-4A5D-9961-56FA843F6C73}">
@@ -5000,8 +4812,8 @@
       </dsp:nvSpPr>
       <dsp:spPr>
         <a:xfrm>
-          <a:off x="0" y="2873242"/>
-          <a:ext cx="5811128" cy="2797200"/>
+          <a:off x="0" y="3247774"/>
+          <a:ext cx="5811128" cy="2389275"/>
         </a:xfrm>
         <a:prstGeom prst="rect">
           <a:avLst/>
@@ -5042,12 +4854,12 @@
         <a:fontRef idx="minor"/>
       </dsp:style>
       <dsp:txBody>
-        <a:bodyPr spcFirstLastPara="0" vert="horz" wrap="square" lIns="451008" tIns="770636" rIns="451008" bIns="263144" numCol="1" spcCol="1270" anchor="t" anchorCtr="0">
+        <a:bodyPr spcFirstLastPara="0" vert="horz" wrap="square" lIns="451008" tIns="853948" rIns="451008" bIns="291592" numCol="1" spcCol="1270" anchor="t" anchorCtr="0">
           <a:noAutofit/>
         </a:bodyPr>
         <a:lstStyle/>
         <a:p>
-          <a:pPr marL="285750" lvl="1" indent="-285750" algn="l" defTabSz="1644650">
+          <a:pPr marL="285750" lvl="1" indent="-285750" algn="l" defTabSz="1822450">
             <a:lnSpc>
               <a:spcPct val="90000"/>
             </a:lnSpc>
@@ -5060,13 +4872,13 @@
             <a:buChar char="•"/>
           </a:pPr>
           <a:r>
-            <a:rPr lang="fi-FI" sz="3700" kern="1200"/>
+            <a:rPr lang="fi-FI" sz="4100" kern="1200"/>
             <a:t>Nooa</a:t>
           </a:r>
-          <a:endParaRPr lang="en-US" sz="3700" kern="1200"/>
+          <a:endParaRPr lang="en-US" sz="4100" kern="1200"/>
         </a:p>
         <a:p>
-          <a:pPr marL="285750" lvl="1" indent="-285750" algn="l" defTabSz="1644650">
+          <a:pPr marL="285750" lvl="1" indent="-285750" algn="l" defTabSz="1822450">
             <a:lnSpc>
               <a:spcPct val="90000"/>
             </a:lnSpc>
@@ -5079,34 +4891,15 @@
             <a:buChar char="•"/>
           </a:pPr>
           <a:r>
-            <a:rPr lang="fi-FI" sz="3700" kern="1200"/>
-            <a:t>Sampo</a:t>
-          </a:r>
-          <a:endParaRPr lang="en-US" sz="3700" kern="1200"/>
-        </a:p>
-        <a:p>
-          <a:pPr marL="285750" lvl="1" indent="-285750" algn="l" defTabSz="1644650">
-            <a:lnSpc>
-              <a:spcPct val="90000"/>
-            </a:lnSpc>
-            <a:spcBef>
-              <a:spcPct val="0"/>
-            </a:spcBef>
-            <a:spcAft>
-              <a:spcPct val="15000"/>
-            </a:spcAft>
-            <a:buChar char="•"/>
-          </a:pPr>
-          <a:r>
-            <a:rPr lang="fi-FI" sz="3700" kern="1200"/>
+            <a:rPr lang="fi-FI" sz="4100" kern="1200" dirty="0"/>
             <a:t>Arttu</a:t>
           </a:r>
-          <a:endParaRPr lang="en-US" sz="3700" kern="1200"/>
+          <a:endParaRPr lang="en-US" sz="4100" kern="1200" dirty="0"/>
         </a:p>
       </dsp:txBody>
       <dsp:txXfrm>
-        <a:off x="0" y="2873242"/>
-        <a:ext cx="5811128" cy="2797200"/>
+        <a:off x="0" y="3247774"/>
+        <a:ext cx="5811128" cy="2389275"/>
       </dsp:txXfrm>
     </dsp:sp>
     <dsp:sp modelId="{8DFBA0FA-E1AF-440F-A3F7-18B92FF57A2F}">
@@ -5116,8 +4909,8 @@
       </dsp:nvSpPr>
       <dsp:spPr>
         <a:xfrm>
-          <a:off x="290556" y="2327122"/>
-          <a:ext cx="4067789" cy="1092240"/>
+          <a:off x="290556" y="2626934"/>
+          <a:ext cx="4067789" cy="1210320"/>
         </a:xfrm>
         <a:prstGeom prst="roundRect">
           <a:avLst/>
@@ -5164,7 +4957,7 @@
         </a:bodyPr>
         <a:lstStyle/>
         <a:p>
-          <a:pPr marL="0" lvl="0" indent="0" algn="l" defTabSz="1644650">
+          <a:pPr marL="0" lvl="0" indent="0" algn="l" defTabSz="1822450">
             <a:lnSpc>
               <a:spcPct val="90000"/>
             </a:lnSpc>
@@ -5177,19 +4970,19 @@
             <a:buNone/>
           </a:pPr>
           <a:r>
-            <a:rPr lang="en-GB" sz="3700" kern="1200"/>
+            <a:rPr lang="en-GB" sz="4100" kern="1200"/>
             <a:t>Orjat</a:t>
           </a:r>
           <a:r>
-            <a:rPr lang="fi-FI" sz="3700" kern="1200"/>
+            <a:rPr lang="fi-FI" sz="4100" kern="1200"/>
             <a:t>:</a:t>
           </a:r>
-          <a:endParaRPr lang="en-US" sz="3700" kern="1200"/>
+          <a:endParaRPr lang="en-US" sz="4100" kern="1200"/>
         </a:p>
       </dsp:txBody>
       <dsp:txXfrm>
-        <a:off x="343875" y="2380441"/>
-        <a:ext cx="3961151" cy="985602"/>
+        <a:off x="349639" y="2686017"/>
+        <a:ext cx="3949623" cy="1092154"/>
       </dsp:txXfrm>
     </dsp:sp>
   </dsp:spTree>
@@ -5256,12 +5049,12 @@
         <a:fontRef idx="minor"/>
       </dsp:style>
       <dsp:txBody>
-        <a:bodyPr spcFirstLastPara="0" vert="horz" wrap="square" lIns="137160" tIns="68580" rIns="137160" bIns="68580" numCol="1" spcCol="1270" anchor="ctr" anchorCtr="0">
+        <a:bodyPr spcFirstLastPara="0" vert="horz" wrap="square" lIns="106680" tIns="53340" rIns="106680" bIns="53340" numCol="1" spcCol="1270" anchor="ctr" anchorCtr="0">
           <a:noAutofit/>
         </a:bodyPr>
         <a:lstStyle/>
         <a:p>
-          <a:pPr marL="285750" lvl="1" indent="-285750" algn="l" defTabSz="1600200">
+          <a:pPr marL="285750" lvl="1" indent="-285750" algn="l" defTabSz="1244600">
             <a:lnSpc>
               <a:spcPct val="90000"/>
             </a:lnSpc>
@@ -5274,42 +5067,54 @@
             <a:buChar char="•"/>
           </a:pPr>
           <a:r>
-            <a:rPr lang="en-GB" sz="3600" kern="1200" dirty="0" err="1"/>
-            <a:t>Istuu</a:t>
+            <a:rPr lang="en-US" sz="2800" kern="1200" dirty="0" err="1"/>
+            <a:t>Kannustaa</a:t>
           </a:r>
           <a:r>
-            <a:rPr lang="en-GB" sz="3600" kern="1200" dirty="0"/>
+            <a:rPr lang="en-US" sz="2800" kern="1200" baseline="0" dirty="0"/>
+            <a:t> ja </a:t>
+          </a:r>
+          <a:r>
+            <a:rPr lang="en-US" sz="2800" kern="1200" baseline="0" dirty="0" err="1"/>
+            <a:t>auttaa</a:t>
+          </a:r>
+          <a:r>
+            <a:rPr lang="en-US" sz="2800" kern="1200" baseline="0" dirty="0"/>
             <a:t> </a:t>
           </a:r>
           <a:r>
-            <a:rPr lang="en-GB" sz="3600" kern="1200" dirty="0" err="1"/>
-            <a:t>toimistossa</a:t>
+            <a:rPr lang="en-US" sz="2800" kern="1200" baseline="0" dirty="0" err="1"/>
+            <a:t>työntekijöitä</a:t>
           </a:r>
           <a:r>
-            <a:rPr lang="en-GB" sz="3600" kern="1200" dirty="0"/>
+            <a:rPr lang="en-US" sz="2800" kern="1200" baseline="0" dirty="0"/>
+            <a:t>.(</a:t>
+          </a:r>
+          <a:r>
+            <a:rPr lang="en-US" sz="2800" kern="1200" baseline="0" dirty="0" err="1"/>
+            <a:t>Koodaa</a:t>
+          </a:r>
+          <a:r>
+            <a:rPr lang="en-US" sz="2800" kern="1200" baseline="0" dirty="0"/>
             <a:t> </a:t>
           </a:r>
           <a:r>
-            <a:rPr lang="en-GB" sz="3600" kern="1200" dirty="0" err="1"/>
-            <a:t>ja</a:t>
+            <a:rPr lang="en-US" sz="2800" kern="1200" baseline="0" dirty="0" err="1"/>
+            <a:t>myös</a:t>
           </a:r>
           <a:r>
-            <a:rPr lang="en-GB" sz="3600" kern="1200" dirty="0"/>
+            <a:rPr lang="en-US" sz="2800" kern="1200" baseline="0" dirty="0"/>
             <a:t> </a:t>
           </a:r>
           <a:r>
-            <a:rPr lang="en-GB" sz="3600" kern="1200" dirty="0" err="1"/>
-            <a:t>polttaa</a:t>
+            <a:rPr lang="en-US" sz="2800" kern="1200" baseline="0" dirty="0" err="1"/>
+            <a:t>itse</a:t>
           </a:r>
           <a:r>
-            <a:rPr lang="en-GB" sz="3600" kern="1200" dirty="0"/>
-            <a:t> </a:t>
+            <a:rPr lang="en-US" sz="2800" kern="1200" baseline="0" dirty="0"/>
+            <a:t>)</a:t>
           </a:r>
-          <a:r>
-            <a:rPr lang="en-GB" sz="3600" kern="1200" dirty="0" err="1"/>
-            <a:t>sikaria</a:t>
-          </a:r>
-          <a:endParaRPr lang="en-US" sz="3600" kern="1200" dirty="0"/>
+          <a:endParaRPr lang="en-US" sz="2800" kern="1200" dirty="0"/>
         </a:p>
       </dsp:txBody>
       <dsp:txXfrm rot="-5400000">
@@ -5468,12 +5273,12 @@
         <a:fontRef idx="minor"/>
       </dsp:style>
       <dsp:txBody>
-        <a:bodyPr spcFirstLastPara="0" vert="horz" wrap="square" lIns="137160" tIns="68580" rIns="137160" bIns="68580" numCol="1" spcCol="1270" anchor="ctr" anchorCtr="0">
+        <a:bodyPr spcFirstLastPara="0" vert="horz" wrap="square" lIns="106680" tIns="53340" rIns="106680" bIns="53340" numCol="1" spcCol="1270" anchor="ctr" anchorCtr="0">
           <a:noAutofit/>
         </a:bodyPr>
         <a:lstStyle/>
         <a:p>
-          <a:pPr marL="285750" lvl="1" indent="-285750" algn="l" defTabSz="1600200">
+          <a:pPr marL="285750" lvl="1" indent="-285750" algn="l" defTabSz="1244600">
             <a:lnSpc>
               <a:spcPct val="90000"/>
             </a:lnSpc>
@@ -5486,18 +5291,22 @@
             <a:buChar char="•"/>
           </a:pPr>
           <a:r>
-            <a:rPr lang="en-GB" sz="3600" kern="1200" dirty="0" err="1"/>
-            <a:t>Kaikki</a:t>
+            <a:rPr lang="en-US" sz="2800" kern="1200" dirty="0" err="1"/>
+            <a:t>Koodaus</a:t>
           </a:r>
           <a:r>
-            <a:rPr lang="en-GB" sz="3600" kern="1200" dirty="0"/>
-            <a:t> </a:t>
+            <a:rPr lang="en-US" sz="2800" kern="1200" baseline="0" dirty="0"/>
+            <a:t> ja </a:t>
           </a:r>
           <a:r>
-            <a:rPr lang="en-GB" sz="3600" kern="1200" dirty="0" err="1"/>
-            <a:t>työt</a:t>
+            <a:rPr lang="en-US" sz="2800" kern="1200" baseline="0" dirty="0" err="1"/>
+            <a:t>muut</a:t>
           </a:r>
-          <a:endParaRPr lang="en-US" sz="3600" kern="1200" dirty="0"/>
+          <a:r>
+            <a:rPr lang="en-US" sz="2800" kern="1200" baseline="0" dirty="0"/>
+            <a:t>.</a:t>
+          </a:r>
+          <a:endParaRPr lang="en-US" sz="2800" kern="1200" dirty="0"/>
         </a:p>
       </dsp:txBody>
       <dsp:txXfrm rot="-5400000">
@@ -5624,8 +5433,8 @@
       </dsp:nvSpPr>
       <dsp:spPr>
         <a:xfrm>
-          <a:off x="0" y="29108"/>
-          <a:ext cx="6245265" cy="1471860"/>
+          <a:off x="0" y="624323"/>
+          <a:ext cx="6245265" cy="2914470"/>
         </a:xfrm>
         <a:prstGeom prst="roundRect">
           <a:avLst/>
@@ -5667,12 +5476,12 @@
         </a:fontRef>
       </dsp:style>
       <dsp:txBody>
-        <a:bodyPr spcFirstLastPara="0" vert="horz" wrap="square" lIns="140970" tIns="140970" rIns="140970" bIns="140970" numCol="1" spcCol="1270" anchor="ctr" anchorCtr="0">
+        <a:bodyPr spcFirstLastPara="0" vert="horz" wrap="square" lIns="201930" tIns="201930" rIns="201930" bIns="201930" numCol="1" spcCol="1270" anchor="ctr" anchorCtr="0">
           <a:noAutofit/>
         </a:bodyPr>
         <a:lstStyle/>
         <a:p>
-          <a:pPr marL="0" lvl="0" indent="0" algn="l" defTabSz="1644650">
+          <a:pPr marL="0" lvl="0" indent="0" algn="l" defTabSz="2355850">
             <a:lnSpc>
               <a:spcPct val="90000"/>
             </a:lnSpc>
@@ -5685,35 +5494,35 @@
             <a:buNone/>
           </a:pPr>
           <a:r>
-            <a:rPr lang="en-GB" sz="3700" kern="1200" dirty="0" err="1"/>
+            <a:rPr lang="en-GB" sz="5300" kern="1200" dirty="0" err="1"/>
             <a:t>Samanlainen</a:t>
           </a:r>
           <a:r>
-            <a:rPr lang="en-GB" sz="3700" kern="1200" dirty="0"/>
+            <a:rPr lang="en-GB" sz="5300" kern="1200" dirty="0"/>
             <a:t> </a:t>
           </a:r>
           <a:r>
-            <a:rPr lang="en-GB" sz="3700" kern="1200" dirty="0" err="1"/>
+            <a:rPr lang="en-GB" sz="5300" kern="1200" dirty="0" err="1"/>
             <a:t>kokemus</a:t>
           </a:r>
           <a:r>
-            <a:rPr lang="en-GB" sz="3700" kern="1200" dirty="0"/>
+            <a:rPr lang="en-GB" sz="5300" kern="1200" dirty="0"/>
             <a:t> </a:t>
           </a:r>
           <a:r>
-            <a:rPr lang="en-GB" sz="3700" kern="1200" dirty="0" err="1"/>
+            <a:rPr lang="en-GB" sz="5300" kern="1200" dirty="0" err="1"/>
             <a:t>kuin</a:t>
           </a:r>
           <a:r>
-            <a:rPr lang="en-GB" sz="3700" kern="1200" dirty="0"/>
+            <a:rPr lang="en-GB" sz="5300" kern="1200" dirty="0"/>
             <a:t> Cyberpunk 2077:</a:t>
           </a:r>
-          <a:endParaRPr lang="en-US" sz="3700" kern="1200" dirty="0"/>
+          <a:endParaRPr lang="en-US" sz="5300" kern="1200" dirty="0"/>
         </a:p>
       </dsp:txBody>
       <dsp:txXfrm>
-        <a:off x="71850" y="100958"/>
-        <a:ext cx="6101565" cy="1328160"/>
+        <a:off x="142273" y="766596"/>
+        <a:ext cx="5960719" cy="2629924"/>
       </dsp:txXfrm>
     </dsp:sp>
     <dsp:sp modelId="{528CAA93-8751-4F79-8DED-FFB56BD850AF}">
@@ -5723,8 +5532,8 @@
       </dsp:nvSpPr>
       <dsp:spPr>
         <a:xfrm>
-          <a:off x="0" y="1500968"/>
-          <a:ext cx="6245265" cy="4059270"/>
+          <a:off x="0" y="3538793"/>
+          <a:ext cx="6245265" cy="1426230"/>
         </a:xfrm>
         <a:prstGeom prst="rect">
           <a:avLst/>
@@ -5748,12 +5557,12 @@
         <a:fontRef idx="minor"/>
       </dsp:style>
       <dsp:txBody>
-        <a:bodyPr spcFirstLastPara="0" vert="horz" wrap="square" lIns="198287" tIns="46990" rIns="263144" bIns="46990" numCol="1" spcCol="1270" anchor="t" anchorCtr="0">
+        <a:bodyPr spcFirstLastPara="0" vert="horz" wrap="square" lIns="198287" tIns="67310" rIns="376936" bIns="67310" numCol="1" spcCol="1270" anchor="t" anchorCtr="0">
           <a:noAutofit/>
         </a:bodyPr>
         <a:lstStyle/>
         <a:p>
-          <a:pPr marL="285750" lvl="1" indent="-285750" algn="l" defTabSz="1289050">
+          <a:pPr marL="285750" lvl="1" indent="-285750" algn="l" defTabSz="1822450">
             <a:lnSpc>
               <a:spcPct val="90000"/>
             </a:lnSpc>
@@ -5766,13 +5575,33 @@
             <a:buChar char="•"/>
           </a:pPr>
           <a:r>
-            <a:rPr lang="en-GB" sz="2900" kern="1200"/>
-            <a:t>Luvataan paras peli ikinä.</a:t>
+            <a:rPr lang="en-GB" sz="4100" kern="1200" dirty="0" err="1"/>
+            <a:t>Luvataan</a:t>
           </a:r>
-          <a:endParaRPr lang="en-US" sz="2900" kern="1200"/>
+          <a:r>
+            <a:rPr lang="en-GB" sz="4100" kern="1200" dirty="0"/>
+            <a:t> paras </a:t>
+          </a:r>
+          <a:r>
+            <a:rPr lang="en-GB" sz="4100" kern="1200" dirty="0" err="1"/>
+            <a:t>peli</a:t>
+          </a:r>
+          <a:r>
+            <a:rPr lang="en-GB" sz="4100" kern="1200" dirty="0"/>
+            <a:t> </a:t>
+          </a:r>
+          <a:r>
+            <a:rPr lang="en-GB" sz="4100" kern="1200" dirty="0" err="1"/>
+            <a:t>ikinä</a:t>
+          </a:r>
+          <a:r>
+            <a:rPr lang="en-GB" sz="4100" kern="1200" dirty="0"/>
+            <a:t>.</a:t>
+          </a:r>
+          <a:endParaRPr lang="en-US" sz="4100" kern="1200" dirty="0"/>
         </a:p>
         <a:p>
-          <a:pPr marL="285750" lvl="1" indent="-285750" algn="l" defTabSz="1289050">
+          <a:pPr marL="285750" lvl="1" indent="-285750" algn="l" defTabSz="1822450">
             <a:lnSpc>
               <a:spcPct val="90000"/>
             </a:lnSpc>
@@ -5785,169 +5614,38 @@
             <a:buChar char="•"/>
           </a:pPr>
           <a:r>
-            <a:rPr lang="en-GB" sz="2900" kern="1200" dirty="0" err="1"/>
-            <a:t>Peliä</a:t>
-          </a:r>
-          <a:r>
-            <a:rPr lang="en-GB" sz="2900" kern="1200" dirty="0"/>
+            <a:rPr lang="en-US" sz="4100" kern="1200" dirty="0"/>
             <a:t> </a:t>
           </a:r>
           <a:r>
-            <a:rPr lang="en-GB" sz="2900" kern="1200" dirty="0" err="1"/>
-            <a:t>kehitetään</a:t>
+            <a:rPr lang="en-US" sz="4100" kern="1200" dirty="0" err="1"/>
+            <a:t>Peli</a:t>
           </a:r>
           <a:r>
-            <a:rPr lang="en-GB" sz="2900" kern="1200" dirty="0"/>
-            <a:t> 10 </a:t>
-          </a:r>
-          <a:r>
-            <a:rPr lang="en-GB" sz="2900" kern="1200" dirty="0" err="1"/>
-            <a:t>vuotta</a:t>
-          </a:r>
-          <a:r>
-            <a:rPr lang="en-GB" sz="2900" kern="1200" dirty="0"/>
+            <a:rPr lang="en-US" sz="4100" kern="1200" dirty="0"/>
             <a:t> </a:t>
           </a:r>
           <a:r>
-            <a:rPr lang="en-GB" sz="2900" kern="1200" dirty="0" err="1"/>
-            <a:t>ja</a:t>
+            <a:rPr lang="en-US" sz="4100" kern="1200" dirty="0" err="1"/>
+            <a:t>julkaistaan</a:t>
           </a:r>
           <a:r>
-            <a:rPr lang="en-GB" sz="2900" kern="1200" dirty="0"/>
+            <a:rPr lang="en-US" sz="4100" kern="1200" dirty="0"/>
             <a:t> </a:t>
           </a:r>
           <a:r>
-            <a:rPr lang="en-GB" sz="2900" kern="1200" dirty="0" err="1"/>
-            <a:t>julkaistaan</a:t>
+            <a:rPr lang="en-US" sz="4100" kern="1200" dirty="0" err="1"/>
+            <a:t>valmiina</a:t>
           </a:r>
           <a:r>
-            <a:rPr lang="en-GB" sz="2900" kern="1200" dirty="0"/>
-            <a:t> </a:t>
-          </a:r>
-          <a:r>
-            <a:rPr lang="en-GB" sz="2900" kern="1200" dirty="0" err="1"/>
-            <a:t>rikkinäisenä</a:t>
-          </a:r>
-          <a:r>
-            <a:rPr lang="en-GB" sz="2900" kern="1200" dirty="0"/>
+            <a:rPr lang="en-US" sz="4100" kern="1200" dirty="0"/>
             <a:t>.</a:t>
           </a:r>
-          <a:endParaRPr lang="en-US" sz="2900" kern="1200" dirty="0"/>
-        </a:p>
-        <a:p>
-          <a:pPr marL="285750" lvl="1" indent="-285750" algn="l" defTabSz="1289050">
-            <a:lnSpc>
-              <a:spcPct val="90000"/>
-            </a:lnSpc>
-            <a:spcBef>
-              <a:spcPct val="0"/>
-            </a:spcBef>
-            <a:spcAft>
-              <a:spcPct val="20000"/>
-            </a:spcAft>
-            <a:buChar char="•"/>
-          </a:pPr>
-          <a:r>
-            <a:rPr lang="en-GB" sz="2900" kern="1200" dirty="0"/>
-            <a:t>3:n </a:t>
-          </a:r>
-          <a:r>
-            <a:rPr lang="en-GB" sz="2900" kern="1200" dirty="0" err="1"/>
-            <a:t>vuoden</a:t>
-          </a:r>
-          <a:r>
-            <a:rPr lang="en-GB" sz="2900" kern="1200" dirty="0"/>
-            <a:t> </a:t>
-          </a:r>
-          <a:r>
-            <a:rPr lang="en-GB" sz="2900" kern="1200" dirty="0" err="1"/>
-            <a:t>päästä</a:t>
-          </a:r>
-          <a:r>
-            <a:rPr lang="en-GB" sz="2900" kern="1200" dirty="0"/>
-            <a:t> </a:t>
-          </a:r>
-          <a:r>
-            <a:rPr lang="en-GB" sz="2900" kern="1200" dirty="0" err="1"/>
-            <a:t>julkaisusta</a:t>
-          </a:r>
-          <a:r>
-            <a:rPr lang="en-GB" sz="2900" kern="1200" dirty="0"/>
-            <a:t> </a:t>
-          </a:r>
-          <a:r>
-            <a:rPr lang="en-GB" sz="2900" kern="1200" dirty="0" err="1"/>
-            <a:t>lopetetaan</a:t>
-          </a:r>
-          <a:r>
-            <a:rPr lang="en-GB" sz="2900" kern="1200" dirty="0"/>
-            <a:t> </a:t>
-          </a:r>
-          <a:r>
-            <a:rPr lang="en-GB" sz="2900" kern="1200" dirty="0" err="1"/>
-            <a:t>päivitykset</a:t>
-          </a:r>
-          <a:r>
-            <a:rPr lang="en-GB" sz="2900" kern="1200" dirty="0"/>
-            <a:t> </a:t>
-          </a:r>
-          <a:r>
-            <a:rPr lang="en-GB" sz="2900" kern="1200" dirty="0" err="1"/>
-            <a:t>vaikka</a:t>
-          </a:r>
-          <a:r>
-            <a:rPr lang="en-GB" sz="2900" kern="1200" dirty="0"/>
-            <a:t> </a:t>
-          </a:r>
-          <a:r>
-            <a:rPr lang="en-GB" sz="2900" kern="1200" dirty="0" err="1"/>
-            <a:t>peli</a:t>
-          </a:r>
-          <a:r>
-            <a:rPr lang="en-GB" sz="2900" kern="1200" dirty="0"/>
-            <a:t> on </a:t>
-          </a:r>
-          <a:r>
-            <a:rPr lang="en-GB" sz="2900" kern="1200" dirty="0" err="1"/>
-            <a:t>vielä</a:t>
-          </a:r>
-          <a:r>
-            <a:rPr lang="en-GB" sz="2900" kern="1200" dirty="0"/>
-            <a:t> </a:t>
-          </a:r>
-          <a:r>
-            <a:rPr lang="en-GB" sz="2900" kern="1200" dirty="0" err="1"/>
-            <a:t>kesken</a:t>
-          </a:r>
-          <a:r>
-            <a:rPr lang="en-GB" sz="2900" kern="1200" dirty="0"/>
-            <a:t>.</a:t>
-          </a:r>
-          <a:endParaRPr lang="en-US" sz="2900" kern="1200" dirty="0"/>
-        </a:p>
-        <a:p>
-          <a:pPr marL="285750" lvl="1" indent="-285750" algn="l" defTabSz="1289050">
-            <a:lnSpc>
-              <a:spcPct val="90000"/>
-            </a:lnSpc>
-            <a:spcBef>
-              <a:spcPct val="0"/>
-            </a:spcBef>
-            <a:spcAft>
-              <a:spcPct val="20000"/>
-            </a:spcAft>
-            <a:buChar char="•"/>
-          </a:pPr>
-          <a:r>
-            <a:rPr lang="en-GB" sz="2900" kern="1200"/>
-            <a:t>Pelaajat unohtaa koko homman 5:n vuoden aikana ja ostaa seuraavan pelin.</a:t>
-          </a:r>
-          <a:endParaRPr lang="en-US" sz="2900" kern="1200"/>
         </a:p>
       </dsp:txBody>
       <dsp:txXfrm>
-        <a:off x="0" y="1500968"/>
-        <a:ext cx="6245265" cy="4059270"/>
+        <a:off x="0" y="3538793"/>
+        <a:ext cx="6245265" cy="1426230"/>
       </dsp:txXfrm>
     </dsp:sp>
   </dsp:spTree>
@@ -9830,7 +9528,7 @@
           <a:p>
             <a:fld id="{7FD80035-684C-4DD6-9821-D962DECBC133}" type="datetimeFigureOut">
               <a:rPr lang="fi-FI" smtClean="0"/>
-              <a:t>24.5.2023</a:t>
+              <a:t>1.6.2023</a:t>
             </a:fld>
             <a:endParaRPr lang="fi-FI"/>
           </a:p>
@@ -10030,7 +9728,7 @@
           <a:p>
             <a:fld id="{7FD80035-684C-4DD6-9821-D962DECBC133}" type="datetimeFigureOut">
               <a:rPr lang="fi-FI" smtClean="0"/>
-              <a:t>24.5.2023</a:t>
+              <a:t>1.6.2023</a:t>
             </a:fld>
             <a:endParaRPr lang="fi-FI"/>
           </a:p>
@@ -10240,7 +9938,7 @@
           <a:p>
             <a:fld id="{7FD80035-684C-4DD6-9821-D962DECBC133}" type="datetimeFigureOut">
               <a:rPr lang="fi-FI" smtClean="0"/>
-              <a:t>24.5.2023</a:t>
+              <a:t>1.6.2023</a:t>
             </a:fld>
             <a:endParaRPr lang="fi-FI"/>
           </a:p>
@@ -10440,7 +10138,7 @@
           <a:p>
             <a:fld id="{7FD80035-684C-4DD6-9821-D962DECBC133}" type="datetimeFigureOut">
               <a:rPr lang="fi-FI" smtClean="0"/>
-              <a:t>24.5.2023</a:t>
+              <a:t>1.6.2023</a:t>
             </a:fld>
             <a:endParaRPr lang="fi-FI"/>
           </a:p>
@@ -10716,7 +10414,7 @@
           <a:p>
             <a:fld id="{7FD80035-684C-4DD6-9821-D962DECBC133}" type="datetimeFigureOut">
               <a:rPr lang="fi-FI" smtClean="0"/>
-              <a:t>24.5.2023</a:t>
+              <a:t>1.6.2023</a:t>
             </a:fld>
             <a:endParaRPr lang="fi-FI"/>
           </a:p>
@@ -10984,7 +10682,7 @@
           <a:p>
             <a:fld id="{7FD80035-684C-4DD6-9821-D962DECBC133}" type="datetimeFigureOut">
               <a:rPr lang="fi-FI" smtClean="0"/>
-              <a:t>24.5.2023</a:t>
+              <a:t>1.6.2023</a:t>
             </a:fld>
             <a:endParaRPr lang="fi-FI"/>
           </a:p>
@@ -11399,7 +11097,7 @@
           <a:p>
             <a:fld id="{7FD80035-684C-4DD6-9821-D962DECBC133}" type="datetimeFigureOut">
               <a:rPr lang="fi-FI" smtClean="0"/>
-              <a:t>24.5.2023</a:t>
+              <a:t>1.6.2023</a:t>
             </a:fld>
             <a:endParaRPr lang="fi-FI"/>
           </a:p>
@@ -11541,7 +11239,7 @@
           <a:p>
             <a:fld id="{7FD80035-684C-4DD6-9821-D962DECBC133}" type="datetimeFigureOut">
               <a:rPr lang="fi-FI" smtClean="0"/>
-              <a:t>24.5.2023</a:t>
+              <a:t>1.6.2023</a:t>
             </a:fld>
             <a:endParaRPr lang="fi-FI"/>
           </a:p>
@@ -11654,7 +11352,7 @@
           <a:p>
             <a:fld id="{7FD80035-684C-4DD6-9821-D962DECBC133}" type="datetimeFigureOut">
               <a:rPr lang="fi-FI" smtClean="0"/>
-              <a:t>24.5.2023</a:t>
+              <a:t>1.6.2023</a:t>
             </a:fld>
             <a:endParaRPr lang="fi-FI"/>
           </a:p>
@@ -11967,7 +11665,7 @@
           <a:p>
             <a:fld id="{7FD80035-684C-4DD6-9821-D962DECBC133}" type="datetimeFigureOut">
               <a:rPr lang="fi-FI" smtClean="0"/>
-              <a:t>24.5.2023</a:t>
+              <a:t>1.6.2023</a:t>
             </a:fld>
             <a:endParaRPr lang="fi-FI"/>
           </a:p>
@@ -12256,7 +11954,7 @@
           <a:p>
             <a:fld id="{7FD80035-684C-4DD6-9821-D962DECBC133}" type="datetimeFigureOut">
               <a:rPr lang="fi-FI" smtClean="0"/>
-              <a:t>24.5.2023</a:t>
+              <a:t>1.6.2023</a:t>
             </a:fld>
             <a:endParaRPr lang="fi-FI"/>
           </a:p>
@@ -12499,7 +12197,7 @@
           <a:p>
             <a:fld id="{7FD80035-684C-4DD6-9821-D962DECBC133}" type="datetimeFigureOut">
               <a:rPr lang="fi-FI" smtClean="0"/>
-              <a:t>24.5.2023</a:t>
+              <a:t>1.6.2023</a:t>
             </a:fld>
             <a:endParaRPr lang="fi-FI"/>
           </a:p>
@@ -14471,8 +14169,8 @@
         </p:nvSpPr>
         <p:spPr>
           <a:xfrm>
-            <a:off x="5846617" y="3175552"/>
-            <a:ext cx="5366041" cy="2809114"/>
+            <a:off x="5846617" y="2831977"/>
+            <a:ext cx="5366041" cy="4119239"/>
           </a:xfrm>
         </p:spPr>
         <p:txBody>
@@ -14519,14 +14217,66 @@
             </a:r>
           </a:p>
           <a:p>
+            <a:pPr marL="0" indent="0">
+              <a:buNone/>
+            </a:pPr>
             <a:r>
               <a:rPr lang="fi-FI" sz="3200" dirty="0">
                 <a:solidFill>
                   <a:srgbClr val="FFFFFF"/>
                 </a:solidFill>
               </a:rPr>
-              <a:t>Saa takaisin työntekijöiden sielut ja ei-elintärkeät elimet</a:t>
-            </a:r>
+              <a:t>Arvenda: </a:t>
+            </a:r>
+          </a:p>
+          <a:p>
+            <a:pPr marL="0" indent="0">
+              <a:buNone/>
+            </a:pPr>
+            <a:r>
+              <a:rPr lang="fi-FI" sz="3200" dirty="0">
+                <a:solidFill>
+                  <a:srgbClr val="FFFFFF"/>
+                </a:solidFill>
+              </a:rPr>
+              <a:t> Näkyvyyttä</a:t>
+            </a:r>
+          </a:p>
+          <a:p>
+            <a:pPr marL="0" indent="0">
+              <a:buNone/>
+            </a:pPr>
+            <a:r>
+              <a:rPr lang="fi-FI" sz="3200" dirty="0">
+                <a:solidFill>
+                  <a:srgbClr val="FFFFFF"/>
+                </a:solidFill>
+              </a:rPr>
+              <a:t> Hyvät yhteydet</a:t>
+            </a:r>
+          </a:p>
+          <a:p>
+            <a:pPr marL="0" indent="0">
+              <a:buNone/>
+            </a:pPr>
+            <a:r>
+              <a:rPr lang="fi-FI" sz="3200" dirty="0">
+                <a:solidFill>
+                  <a:srgbClr val="FFFFFF"/>
+                </a:solidFill>
+              </a:rPr>
+              <a:t> Hyvän mielen</a:t>
+            </a:r>
+          </a:p>
+          <a:p>
+            <a:pPr marL="0" indent="0">
+              <a:buNone/>
+            </a:pPr>
+            <a:endParaRPr lang="fi-FI" sz="3200" dirty="0">
+              <a:solidFill>
+                <a:srgbClr val="FFFFFF"/>
+              </a:solidFill>
+            </a:endParaRPr>
           </a:p>
         </p:txBody>
       </p:sp>
@@ -15905,16 +15655,12 @@
           </a:p>
           <a:p>
             <a:r>
-              <a:rPr lang="en-GB" sz="2500" dirty="0" err="1"/>
-              <a:t>Työntekijöiden</a:t>
-            </a:r>
-            <a:r>
               <a:rPr lang="en-GB" sz="2500" dirty="0"/>
               <a:t> </a:t>
             </a:r>
             <a:r>
               <a:rPr lang="en-GB" sz="2500" dirty="0" err="1"/>
-              <a:t>perheille</a:t>
+              <a:t>Kaikki</a:t>
             </a:r>
             <a:r>
               <a:rPr lang="en-GB" sz="2500" dirty="0"/>
@@ -15922,7 +15668,7 @@
             </a:r>
             <a:r>
               <a:rPr lang="en-GB" sz="2500" dirty="0" err="1"/>
-              <a:t>tarvitaan</a:t>
+              <a:t>tehdään</a:t>
             </a:r>
             <a:r>
               <a:rPr lang="en-GB" sz="2500" dirty="0"/>
@@ -15930,67 +15676,53 @@
             </a:r>
             <a:r>
               <a:rPr lang="en-GB" sz="2500" dirty="0" err="1"/>
-              <a:t>varastotilaa</a:t>
+              <a:t>etätöinä</a:t>
             </a:r>
             <a:r>
               <a:rPr lang="en-GB" sz="2500" dirty="0"/>
-              <a:t>: 5 </a:t>
+              <a:t> </a:t>
             </a:r>
             <a:r>
               <a:rPr lang="en-GB" sz="2500" dirty="0" err="1"/>
-              <a:t>perhejäsentä</a:t>
+              <a:t>joten</a:t>
             </a:r>
             <a:r>
               <a:rPr lang="en-GB" sz="2500" dirty="0"/>
-              <a:t>/</a:t>
+              <a:t> </a:t>
             </a:r>
             <a:r>
               <a:rPr lang="en-GB" sz="2500" dirty="0" err="1"/>
-              <a:t>työntekijä</a:t>
+              <a:t>ei</a:t>
             </a:r>
             <a:r>
               <a:rPr lang="en-GB" sz="2500" dirty="0"/>
-              <a:t>=20m^2=</a:t>
+              <a:t> ole </a:t>
             </a:r>
             <a:r>
               <a:rPr lang="en-GB" sz="2500" dirty="0" err="1"/>
-              <a:t>noin</a:t>
+              <a:t>toimitila</a:t>
             </a:r>
             <a:r>
               <a:rPr lang="en-GB" sz="2500" dirty="0"/>
-              <a:t> 300€/kk.</a:t>
+              <a:t> </a:t>
+            </a:r>
+            <a:r>
+              <a:rPr lang="en-GB" sz="2500" dirty="0" err="1"/>
+              <a:t>vuokraa</a:t>
+            </a:r>
+            <a:r>
+              <a:rPr lang="en-GB" sz="2500" dirty="0"/>
+              <a:t>.</a:t>
             </a:r>
           </a:p>
           <a:p>
             <a:r>
-              <a:rPr lang="en-GB" sz="2500" dirty="0" err="1"/>
-              <a:t>Varastofirman</a:t>
-            </a:r>
-            <a:r>
               <a:rPr lang="en-GB" sz="2500" dirty="0"/>
               <a:t> </a:t>
             </a:r>
             <a:r>
               <a:rPr lang="en-GB" sz="2500" dirty="0" err="1"/>
-              <a:t>lahjonta</a:t>
-            </a:r>
-            <a:r>
-              <a:rPr lang="en-GB" sz="2500" dirty="0"/>
-              <a:t>: </a:t>
-            </a:r>
-            <a:r>
-              <a:rPr lang="en-GB" sz="2500" dirty="0" err="1"/>
-              <a:t>Noin</a:t>
-            </a:r>
-            <a:r>
-              <a:rPr lang="en-GB" sz="2500" dirty="0"/>
-              <a:t> 200€/kk.</a:t>
-            </a:r>
-          </a:p>
-          <a:p>
-            <a:r>
-              <a:rPr lang="en-GB" sz="2500" dirty="0" err="1"/>
-              <a:t>Tehdään</a:t>
+              <a:t>Koneet</a:t>
             </a:r>
             <a:r>
               <a:rPr lang="en-GB" sz="2500" dirty="0"/>
@@ -15998,7 +15730,7 @@
             </a:r>
             <a:r>
               <a:rPr lang="en-GB" sz="2500" dirty="0" err="1"/>
-              <a:t>etätöitä</a:t>
+              <a:t>omasta</a:t>
             </a:r>
             <a:r>
               <a:rPr lang="en-GB" sz="2500" dirty="0"/>
@@ -16006,165 +15738,11 @@
             </a:r>
             <a:r>
               <a:rPr lang="en-GB" sz="2500" dirty="0" err="1"/>
-              <a:t>omilla</a:t>
-            </a:r>
-            <a:r>
-              <a:rPr lang="en-GB" sz="2500" dirty="0"/>
-              <a:t> </a:t>
-            </a:r>
-            <a:r>
-              <a:rPr lang="en-GB" sz="2500" dirty="0" err="1"/>
-              <a:t>koneilla</a:t>
-            </a:r>
-            <a:r>
-              <a:rPr lang="en-GB" sz="2500" dirty="0"/>
-              <a:t>, </a:t>
-            </a:r>
-            <a:r>
-              <a:rPr lang="en-GB" sz="2500" dirty="0" err="1"/>
-              <a:t>eli</a:t>
-            </a:r>
-            <a:r>
-              <a:rPr lang="en-GB" sz="2500" dirty="0"/>
-              <a:t> </a:t>
-            </a:r>
-            <a:r>
-              <a:rPr lang="en-GB" sz="2500" dirty="0" err="1"/>
-              <a:t>ei</a:t>
-            </a:r>
-            <a:r>
-              <a:rPr lang="en-GB" sz="2500" dirty="0"/>
-              <a:t> </a:t>
-            </a:r>
-            <a:r>
-              <a:rPr lang="en-GB" sz="2500" dirty="0" err="1"/>
-              <a:t>tarvitse</a:t>
-            </a:r>
-            <a:r>
-              <a:rPr lang="en-GB" sz="2500" dirty="0"/>
-              <a:t> </a:t>
-            </a:r>
-            <a:r>
-              <a:rPr lang="en-GB" sz="2500" dirty="0" err="1"/>
-              <a:t>toimistoa</a:t>
-            </a:r>
-            <a:r>
-              <a:rPr lang="en-GB" sz="2500" dirty="0"/>
-              <a:t> tai </a:t>
-            </a:r>
-            <a:r>
-              <a:rPr lang="en-GB" sz="2500" dirty="0" err="1"/>
-              <a:t>koneita</a:t>
+              <a:t>takaa</a:t>
             </a:r>
             <a:r>
               <a:rPr lang="en-GB" sz="2500" dirty="0"/>
               <a:t>.</a:t>
-            </a:r>
-          </a:p>
-          <a:p>
-            <a:r>
-              <a:rPr lang="en-GB" sz="2500" dirty="0" err="1"/>
-              <a:t>Peli</a:t>
-            </a:r>
-            <a:r>
-              <a:rPr lang="en-GB" sz="2500" dirty="0"/>
-              <a:t> </a:t>
-            </a:r>
-            <a:r>
-              <a:rPr lang="en-GB" sz="2500" dirty="0" err="1"/>
-              <a:t>julkaistaan</a:t>
-            </a:r>
-            <a:r>
-              <a:rPr lang="en-GB" sz="2500" dirty="0"/>
-              <a:t> </a:t>
-            </a:r>
-            <a:r>
-              <a:rPr lang="en-GB" sz="2500" dirty="0" err="1"/>
-              <a:t>Steamissa</a:t>
-            </a:r>
-            <a:r>
-              <a:rPr lang="en-GB" sz="2500" dirty="0"/>
-              <a:t>, </a:t>
-            </a:r>
-            <a:r>
-              <a:rPr lang="en-GB" sz="2500" dirty="0" err="1"/>
-              <a:t>ja</a:t>
-            </a:r>
-            <a:r>
-              <a:rPr lang="en-GB" sz="2500" dirty="0"/>
-              <a:t> </a:t>
-            </a:r>
-            <a:r>
-              <a:rPr lang="en-GB" sz="2500" dirty="0" err="1"/>
-              <a:t>siinä</a:t>
-            </a:r>
-            <a:r>
-              <a:rPr lang="en-GB" sz="2500" dirty="0"/>
-              <a:t> </a:t>
-            </a:r>
-            <a:r>
-              <a:rPr lang="en-GB" sz="2500" dirty="0" err="1"/>
-              <a:t>ei</a:t>
-            </a:r>
-            <a:r>
-              <a:rPr lang="en-GB" sz="2500" dirty="0"/>
-              <a:t> ole </a:t>
-            </a:r>
-            <a:r>
-              <a:rPr lang="en-GB" sz="2500" dirty="0" err="1"/>
-              <a:t>nettipelausta</a:t>
-            </a:r>
-            <a:r>
-              <a:rPr lang="en-GB" sz="2500" dirty="0"/>
-              <a:t>, </a:t>
-            </a:r>
-            <a:r>
-              <a:rPr lang="en-GB" sz="2500" dirty="0" err="1"/>
-              <a:t>joten</a:t>
-            </a:r>
-            <a:r>
-              <a:rPr lang="en-GB" sz="2500" dirty="0"/>
-              <a:t> </a:t>
-            </a:r>
-            <a:r>
-              <a:rPr lang="en-GB" sz="2500" dirty="0" err="1"/>
-              <a:t>ei</a:t>
-            </a:r>
-            <a:r>
-              <a:rPr lang="en-GB" sz="2500" dirty="0"/>
-              <a:t> </a:t>
-            </a:r>
-            <a:r>
-              <a:rPr lang="en-GB" sz="2500" dirty="0" err="1"/>
-              <a:t>tarvita</a:t>
-            </a:r>
-            <a:r>
-              <a:rPr lang="en-GB" sz="2500" dirty="0"/>
-              <a:t> </a:t>
-            </a:r>
-            <a:r>
-              <a:rPr lang="en-GB" sz="2500" dirty="0" err="1"/>
-              <a:t>palvelimia</a:t>
-            </a:r>
-            <a:r>
-              <a:rPr lang="en-GB" sz="2500" dirty="0"/>
-              <a:t>. </a:t>
-            </a:r>
-            <a:r>
-              <a:rPr lang="en-GB" sz="2500" dirty="0" err="1"/>
-              <a:t>Steamiin</a:t>
-            </a:r>
-            <a:r>
-              <a:rPr lang="en-GB" sz="2500" dirty="0"/>
-              <a:t> </a:t>
-            </a:r>
-            <a:r>
-              <a:rPr lang="en-GB" sz="2500" dirty="0" err="1"/>
-              <a:t>julkaiseminen</a:t>
-            </a:r>
-            <a:r>
-              <a:rPr lang="en-GB" sz="2500" dirty="0"/>
-              <a:t> maksaa 100€.</a:t>
             </a:r>
           </a:p>
         </p:txBody>
@@ -16739,18 +16317,6 @@
           <a:p>
             <a:r>
               <a:rPr lang="fi-FI" dirty="0"/>
-              <a:t>Varastotilan vuokra: 300€/kk</a:t>
-            </a:r>
-          </a:p>
-          <a:p>
-            <a:r>
-              <a:rPr lang="fi-FI" dirty="0"/>
-              <a:t>Varastofirman lahjonta: 200€/kk</a:t>
-            </a:r>
-          </a:p>
-          <a:p>
-            <a:r>
-              <a:rPr lang="fi-FI" dirty="0"/>
               <a:t>Yhteensä:</a:t>
             </a:r>
             <a:br>
@@ -16758,27 +16324,14 @@
             </a:br>
             <a:r>
               <a:rPr lang="fi-FI" dirty="0"/>
-              <a:t>100€ aluksi, jonka jälkeen 500€/kk</a:t>
-            </a:r>
-          </a:p>
-          <a:p>
-            <a:pPr marL="0" indent="0">
-              <a:buNone/>
-            </a:pPr>
+              <a:t>100€ aluksi, jonka jälkeen ei mitään. </a:t>
+            </a:r>
             <a:br>
               <a:rPr lang="fi-FI" dirty="0"/>
             </a:br>
             <a:r>
               <a:rPr lang="fi-FI" dirty="0"/>
-              <a:t>Yhteistyökumppani </a:t>
-            </a:r>
-            <a:r>
-              <a:rPr lang="fi-FI" dirty="0" err="1"/>
-              <a:t>Tencent</a:t>
-            </a:r>
-            <a:r>
-              <a:rPr lang="fi-FI" dirty="0"/>
-              <a:t> auttaa kuluissa aluksi.</a:t>
+              <a:t>Yhteistyökumppani Tencent ja Arvenda auttaa kuluissa.</a:t>
             </a:r>
           </a:p>
         </p:txBody>
@@ -20367,7 +19920,7 @@
             <p:ph idx="1"/>
             <p:extLst>
               <p:ext uri="{D42A27DB-BD31-4B8C-83A1-F6EECF244321}">
-                <p14:modId xmlns:p14="http://schemas.microsoft.com/office/powerpoint/2010/main" val="2720931710"/>
+                <p14:modId xmlns:p14="http://schemas.microsoft.com/office/powerpoint/2010/main" val="879400123"/>
               </p:ext>
             </p:extLst>
           </p:nvPr>
@@ -20983,10 +20536,6 @@
               <a:t> </a:t>
             </a:r>
             <a:r>
-              <a:rPr lang="en-US" dirty="0" err="1"/>
-              <a:t>t</a:t>
-            </a:r>
-            <a:r>
               <a:rPr lang="en-US" kern="1200" dirty="0" err="1">
                 <a:solidFill>
                   <a:schemeClr val="tx1"/>
@@ -20995,51 +20544,7 @@
                 <a:ea typeface="+mn-ea"/>
                 <a:cs typeface="+mn-cs"/>
               </a:rPr>
-              <a:t>oimitusjohtajan</a:t>
-            </a:r>
-            <a:r>
-              <a:rPr lang="en-US" kern="1200" dirty="0">
-                <a:solidFill>
-                  <a:schemeClr val="tx1"/>
-                </a:solidFill>
-                <a:latin typeface="+mn-lt"/>
-                <a:ea typeface="+mn-ea"/>
-                <a:cs typeface="+mn-cs"/>
-              </a:rPr>
-              <a:t> </a:t>
-            </a:r>
-            <a:r>
-              <a:rPr lang="en-US" kern="1200" dirty="0" err="1">
-                <a:solidFill>
-                  <a:schemeClr val="tx1"/>
-                </a:solidFill>
-                <a:latin typeface="+mn-lt"/>
-                <a:ea typeface="+mn-ea"/>
-                <a:cs typeface="+mn-cs"/>
-              </a:rPr>
-              <a:t>äidin</a:t>
-            </a:r>
-            <a:r>
-              <a:rPr lang="en-US" kern="1200" dirty="0">
-                <a:solidFill>
-                  <a:schemeClr val="tx1"/>
-                </a:solidFill>
-                <a:latin typeface="+mn-lt"/>
-                <a:ea typeface="+mn-ea"/>
-                <a:cs typeface="+mn-cs"/>
-              </a:rPr>
-              <a:t> </a:t>
-            </a:r>
-            <a:r>
-              <a:rPr lang="en-US" kern="1200" dirty="0" err="1">
-                <a:solidFill>
-                  <a:schemeClr val="tx1"/>
-                </a:solidFill>
-                <a:latin typeface="+mn-lt"/>
-                <a:ea typeface="+mn-ea"/>
-                <a:cs typeface="+mn-cs"/>
-              </a:rPr>
-              <a:t>kellarissa</a:t>
+              <a:t>unityssä</a:t>
             </a:r>
             <a:endParaRPr lang="en-US" kern="1200" dirty="0">
               <a:solidFill>
@@ -21231,7 +20736,7 @@
             <p:ph idx="1"/>
             <p:extLst>
               <p:ext uri="{D42A27DB-BD31-4B8C-83A1-F6EECF244321}">
-                <p14:modId xmlns:p14="http://schemas.microsoft.com/office/powerpoint/2010/main" val="326114516"/>
+                <p14:modId xmlns:p14="http://schemas.microsoft.com/office/powerpoint/2010/main" val="2589788273"/>
               </p:ext>
             </p:extLst>
           </p:nvPr>
@@ -21462,7 +20967,7 @@
             <p:ph idx="1"/>
             <p:extLst>
               <p:ext uri="{D42A27DB-BD31-4B8C-83A1-F6EECF244321}">
-                <p14:modId xmlns:p14="http://schemas.microsoft.com/office/powerpoint/2010/main" val="1615285085"/>
+                <p14:modId xmlns:p14="http://schemas.microsoft.com/office/powerpoint/2010/main" val="1767069896"/>
               </p:ext>
             </p:extLst>
           </p:nvPr>
